--- a/demo/resources/报告/毕业论文答辩.pptx
+++ b/demo/resources/报告/毕业论文答辩.pptx
@@ -10737,8 +10737,8 @@
         </p:nvSpPr>
         <p:spPr>
           <a:xfrm>
-            <a:off x="1785537" y="2139208"/>
-            <a:ext cx="5791970" cy="769441"/>
+            <a:off x="2896416" y="2139208"/>
+            <a:ext cx="3570208" cy="769441"/>
           </a:xfrm>
           <a:prstGeom prst="rect">
             <a:avLst/>
@@ -10780,32 +10780,6 @@
                 <a:ea typeface="+mj-ea"/>
               </a:rPr>
               <a:t>毕业论文答辩</a:t>
-            </a:r>
-            <a:r>
-              <a:rPr lang="en-US" altLang="zh-CN" sz="4400" b="1" dirty="0">
-                <a:ln>
-                  <a:prstDash val="solid"/>
-                </a:ln>
-                <a:solidFill>
-                  <a:schemeClr val="bg1"/>
-                </a:solidFill>
-                <a:latin typeface="+mj-ea"/>
-                <a:ea typeface="+mj-ea"/>
-              </a:rPr>
-              <a:t>PPT</a:t>
-            </a:r>
-            <a:r>
-              <a:rPr lang="zh-CN" altLang="en-US" sz="4400" b="1" dirty="0">
-                <a:ln>
-                  <a:prstDash val="solid"/>
-                </a:ln>
-                <a:solidFill>
-                  <a:schemeClr val="bg1"/>
-                </a:solidFill>
-                <a:latin typeface="+mj-ea"/>
-                <a:ea typeface="+mj-ea"/>
-              </a:rPr>
-              <a:t>模板</a:t>
             </a:r>
           </a:p>
         </p:txBody>
@@ -13796,6 +13770,198 @@
           </a:prstGeom>
         </p:spPr>
       </p:pic>
+      <p:grpSp>
+        <p:nvGrpSpPr>
+          <p:cNvPr id="12" name="组合 11">
+            <a:extLst>
+              <a:ext uri="{FF2B5EF4-FFF2-40B4-BE49-F238E27FC236}">
+                <a16:creationId xmlns:a16="http://schemas.microsoft.com/office/drawing/2014/main" id="{C1E4595B-7211-48EA-A34F-9502484A0612}"/>
+              </a:ext>
+            </a:extLst>
+          </p:cNvPr>
+          <p:cNvGrpSpPr/>
+          <p:nvPr/>
+        </p:nvGrpSpPr>
+        <p:grpSpPr>
+          <a:xfrm>
+            <a:off x="0" y="264841"/>
+            <a:ext cx="2358571" cy="449319"/>
+            <a:chOff x="-1" y="588691"/>
+            <a:chExt cx="3986185" cy="449319"/>
+          </a:xfrm>
+          <a:solidFill>
+            <a:srgbClr val="314865"/>
+          </a:solidFill>
+        </p:grpSpPr>
+        <p:sp>
+          <p:nvSpPr>
+            <p:cNvPr id="13" name="矩形 1">
+              <a:extLst>
+                <a:ext uri="{FF2B5EF4-FFF2-40B4-BE49-F238E27FC236}">
+                  <a16:creationId xmlns:a16="http://schemas.microsoft.com/office/drawing/2014/main" id="{7776EADC-A14F-45FE-8FEA-1F8511952FD7}"/>
+                </a:ext>
+              </a:extLst>
+            </p:cNvPr>
+            <p:cNvSpPr/>
+            <p:nvPr/>
+          </p:nvSpPr>
+          <p:spPr>
+            <a:xfrm>
+              <a:off x="-1" y="588691"/>
+              <a:ext cx="3986185" cy="449319"/>
+            </a:xfrm>
+            <a:custGeom>
+              <a:avLst/>
+              <a:gdLst>
+                <a:gd name="connsiteX0" fmla="*/ 0 w 2411760"/>
+                <a:gd name="connsiteY0" fmla="*/ 0 h 484751"/>
+                <a:gd name="connsiteX1" fmla="*/ 2411760 w 2411760"/>
+                <a:gd name="connsiteY1" fmla="*/ 0 h 484751"/>
+                <a:gd name="connsiteX2" fmla="*/ 2411760 w 2411760"/>
+                <a:gd name="connsiteY2" fmla="*/ 484751 h 484751"/>
+                <a:gd name="connsiteX3" fmla="*/ 0 w 2411760"/>
+                <a:gd name="connsiteY3" fmla="*/ 484751 h 484751"/>
+                <a:gd name="connsiteX4" fmla="*/ 0 w 2411760"/>
+                <a:gd name="connsiteY4" fmla="*/ 0 h 484751"/>
+                <a:gd name="connsiteX0" fmla="*/ 0 w 2849910"/>
+                <a:gd name="connsiteY0" fmla="*/ 0 h 484751"/>
+                <a:gd name="connsiteX1" fmla="*/ 2411760 w 2849910"/>
+                <a:gd name="connsiteY1" fmla="*/ 0 h 484751"/>
+                <a:gd name="connsiteX2" fmla="*/ 2849910 w 2849910"/>
+                <a:gd name="connsiteY2" fmla="*/ 484751 h 484751"/>
+                <a:gd name="connsiteX3" fmla="*/ 0 w 2849910"/>
+                <a:gd name="connsiteY3" fmla="*/ 484751 h 484751"/>
+                <a:gd name="connsiteX4" fmla="*/ 0 w 2849910"/>
+                <a:gd name="connsiteY4" fmla="*/ 0 h 484751"/>
+              </a:gdLst>
+              <a:ahLst/>
+              <a:cxnLst>
+                <a:cxn ang="0">
+                  <a:pos x="connsiteX0" y="connsiteY0"/>
+                </a:cxn>
+                <a:cxn ang="0">
+                  <a:pos x="connsiteX1" y="connsiteY1"/>
+                </a:cxn>
+                <a:cxn ang="0">
+                  <a:pos x="connsiteX2" y="connsiteY2"/>
+                </a:cxn>
+                <a:cxn ang="0">
+                  <a:pos x="connsiteX3" y="connsiteY3"/>
+                </a:cxn>
+                <a:cxn ang="0">
+                  <a:pos x="connsiteX4" y="connsiteY4"/>
+                </a:cxn>
+              </a:cxnLst>
+              <a:rect l="l" t="t" r="r" b="b"/>
+              <a:pathLst>
+                <a:path w="2849910" h="484751">
+                  <a:moveTo>
+                    <a:pt x="0" y="0"/>
+                  </a:moveTo>
+                  <a:lnTo>
+                    <a:pt x="2411760" y="0"/>
+                  </a:lnTo>
+                  <a:lnTo>
+                    <a:pt x="2849910" y="484751"/>
+                  </a:lnTo>
+                  <a:lnTo>
+                    <a:pt x="0" y="484751"/>
+                  </a:lnTo>
+                  <a:lnTo>
+                    <a:pt x="0" y="0"/>
+                  </a:lnTo>
+                  <a:close/>
+                </a:path>
+              </a:pathLst>
+            </a:custGeom>
+            <a:grpFill/>
+            <a:ln>
+              <a:noFill/>
+            </a:ln>
+          </p:spPr>
+          <p:style>
+            <a:lnRef idx="2">
+              <a:schemeClr val="accent1">
+                <a:shade val="50000"/>
+              </a:schemeClr>
+            </a:lnRef>
+            <a:fillRef idx="1">
+              <a:schemeClr val="accent1"/>
+            </a:fillRef>
+            <a:effectRef idx="0">
+              <a:schemeClr val="accent1"/>
+            </a:effectRef>
+            <a:fontRef idx="minor">
+              <a:schemeClr val="lt1"/>
+            </a:fontRef>
+          </p:style>
+          <p:txBody>
+            <a:bodyPr rot="0" spcFirstLastPara="0" vertOverflow="overflow" horzOverflow="overflow" vert="horz" wrap="square" lIns="91440" tIns="45720" rIns="91440" bIns="45720" numCol="1" spcCol="0" rtlCol="0" fromWordArt="0" anchor="ctr" anchorCtr="0" forceAA="0" compatLnSpc="1">
+              <a:prstTxWarp prst="textNoShape">
+                <a:avLst/>
+              </a:prstTxWarp>
+              <a:noAutofit/>
+            </a:bodyPr>
+            <a:lstStyle/>
+            <a:p>
+              <a:pPr algn="ctr"/>
+              <a:endParaRPr lang="zh-CN" altLang="en-US" dirty="0">
+                <a:solidFill>
+                  <a:schemeClr val="bg1"/>
+                </a:solidFill>
+                <a:ea typeface="微软雅黑" pitchFamily="34" charset="-122"/>
+              </a:endParaRPr>
+            </a:p>
+          </p:txBody>
+        </p:sp>
+        <p:sp>
+          <p:nvSpPr>
+            <p:cNvPr id="14" name="矩形 13">
+              <a:extLst>
+                <a:ext uri="{FF2B5EF4-FFF2-40B4-BE49-F238E27FC236}">
+                  <a16:creationId xmlns:a16="http://schemas.microsoft.com/office/drawing/2014/main" id="{6E374E94-D961-4B60-95A0-5640605F4126}"/>
+                </a:ext>
+              </a:extLst>
+            </p:cNvPr>
+            <p:cNvSpPr/>
+            <p:nvPr/>
+          </p:nvSpPr>
+          <p:spPr>
+            <a:xfrm>
+              <a:off x="365573" y="628375"/>
+              <a:ext cx="3080943" cy="409635"/>
+            </a:xfrm>
+            <a:prstGeom prst="rect">
+              <a:avLst/>
+            </a:prstGeom>
+            <a:grpFill/>
+          </p:spPr>
+          <p:txBody>
+            <a:bodyPr wrap="square">
+              <a:spAutoFit/>
+            </a:bodyPr>
+            <a:lstStyle/>
+            <a:p>
+              <a:r>
+                <a:rPr lang="zh-CN" altLang="en-US" sz="2000" b="1" kern="0" dirty="0">
+                  <a:solidFill>
+                    <a:schemeClr val="bg1"/>
+                  </a:solidFill>
+                  <a:latin typeface="微软雅黑" pitchFamily="34" charset="-122"/>
+                  <a:ea typeface="微软雅黑" pitchFamily="34" charset="-122"/>
+                </a:rPr>
+                <a:t>航空管理系统</a:t>
+              </a:r>
+              <a:endParaRPr lang="zh-CN" altLang="en-US" sz="2000" b="1" dirty="0">
+                <a:solidFill>
+                  <a:schemeClr val="bg1"/>
+                </a:solidFill>
+                <a:ea typeface="微软雅黑" pitchFamily="34" charset="-122"/>
+              </a:endParaRPr>
+            </a:p>
+          </p:txBody>
+        </p:sp>
+      </p:grpSp>
     </p:spTree>
     <p:extLst>
       <p:ext uri="{BB962C8B-B14F-4D97-AF65-F5344CB8AC3E}">
@@ -14190,6 +14356,88 @@
                                         </p:tgtEl>
                                       </p:cBhvr>
                                     </p:animEffect>
+                                  </p:childTnLst>
+                                </p:cTn>
+                              </p:par>
+                            </p:childTnLst>
+                          </p:cTn>
+                        </p:par>
+                        <p:par>
+                          <p:cTn id="26" fill="hold">
+                            <p:stCondLst>
+                              <p:cond delay="3400"/>
+                            </p:stCondLst>
+                            <p:childTnLst>
+                              <p:par>
+                                <p:cTn id="27" presetID="2" presetClass="entr" presetSubtype="8" fill="hold" nodeType="afterEffect">
+                                  <p:stCondLst>
+                                    <p:cond delay="0"/>
+                                  </p:stCondLst>
+                                  <p:childTnLst>
+                                    <p:set>
+                                      <p:cBhvr>
+                                        <p:cTn id="28" dur="1" fill="hold">
+                                          <p:stCondLst>
+                                            <p:cond delay="0"/>
+                                          </p:stCondLst>
+                                        </p:cTn>
+                                        <p:tgtEl>
+                                          <p:spTgt spid="12"/>
+                                        </p:tgtEl>
+                                        <p:attrNameLst>
+                                          <p:attrName>style.visibility</p:attrName>
+                                        </p:attrNameLst>
+                                      </p:cBhvr>
+                                      <p:to>
+                                        <p:strVal val="visible"/>
+                                      </p:to>
+                                    </p:set>
+                                    <p:anim calcmode="lin" valueType="num">
+                                      <p:cBhvr additive="base">
+                                        <p:cTn id="29" dur="500" fill="hold"/>
+                                        <p:tgtEl>
+                                          <p:spTgt spid="12"/>
+                                        </p:tgtEl>
+                                        <p:attrNameLst>
+                                          <p:attrName>ppt_x</p:attrName>
+                                        </p:attrNameLst>
+                                      </p:cBhvr>
+                                      <p:tavLst>
+                                        <p:tav tm="0">
+                                          <p:val>
+                                            <p:strVal val="0-#ppt_w/2"/>
+                                          </p:val>
+                                        </p:tav>
+                                        <p:tav tm="100000">
+                                          <p:val>
+                                            <p:strVal val="#ppt_x"/>
+                                          </p:val>
+                                        </p:tav>
+                                      </p:tavLst>
+                                    </p:anim>
+                                    <p:anim calcmode="lin" valueType="num">
+                                      <p:cBhvr additive="base">
+                                        <p:cTn id="30" dur="500" fill="hold"/>
+                                        <p:tgtEl>
+                                          <p:spTgt spid="12"/>
+                                        </p:tgtEl>
+                                        <p:attrNameLst>
+                                          <p:attrName>ppt_y</p:attrName>
+                                        </p:attrNameLst>
+                                      </p:cBhvr>
+                                      <p:tavLst>
+                                        <p:tav tm="0">
+                                          <p:val>
+                                            <p:strVal val="#ppt_y"/>
+                                          </p:val>
+                                        </p:tav>
+                                        <p:tav tm="100000">
+                                          <p:val>
+                                            <p:strVal val="#ppt_y"/>
+                                          </p:val>
+                                        </p:tav>
+                                      </p:tavLst>
+                                    </p:anim>
                                   </p:childTnLst>
                                 </p:cTn>
                               </p:par>
@@ -14673,6 +14921,198 @@
           </a:prstGeom>
         </p:spPr>
       </p:pic>
+      <p:grpSp>
+        <p:nvGrpSpPr>
+          <p:cNvPr id="11" name="组合 10">
+            <a:extLst>
+              <a:ext uri="{FF2B5EF4-FFF2-40B4-BE49-F238E27FC236}">
+                <a16:creationId xmlns:a16="http://schemas.microsoft.com/office/drawing/2014/main" id="{A7AF984D-8CF0-4D02-87B5-1DB49998DA53}"/>
+              </a:ext>
+            </a:extLst>
+          </p:cNvPr>
+          <p:cNvGrpSpPr/>
+          <p:nvPr/>
+        </p:nvGrpSpPr>
+        <p:grpSpPr>
+          <a:xfrm>
+            <a:off x="0" y="264841"/>
+            <a:ext cx="2358571" cy="449319"/>
+            <a:chOff x="-1" y="588691"/>
+            <a:chExt cx="3986185" cy="449319"/>
+          </a:xfrm>
+          <a:solidFill>
+            <a:srgbClr val="314865"/>
+          </a:solidFill>
+        </p:grpSpPr>
+        <p:sp>
+          <p:nvSpPr>
+            <p:cNvPr id="12" name="矩形 1">
+              <a:extLst>
+                <a:ext uri="{FF2B5EF4-FFF2-40B4-BE49-F238E27FC236}">
+                  <a16:creationId xmlns:a16="http://schemas.microsoft.com/office/drawing/2014/main" id="{1FBAA6B7-786E-436A-A1B6-739A9EEB00A2}"/>
+                </a:ext>
+              </a:extLst>
+            </p:cNvPr>
+            <p:cNvSpPr/>
+            <p:nvPr/>
+          </p:nvSpPr>
+          <p:spPr>
+            <a:xfrm>
+              <a:off x="-1" y="588691"/>
+              <a:ext cx="3986185" cy="449319"/>
+            </a:xfrm>
+            <a:custGeom>
+              <a:avLst/>
+              <a:gdLst>
+                <a:gd name="connsiteX0" fmla="*/ 0 w 2411760"/>
+                <a:gd name="connsiteY0" fmla="*/ 0 h 484751"/>
+                <a:gd name="connsiteX1" fmla="*/ 2411760 w 2411760"/>
+                <a:gd name="connsiteY1" fmla="*/ 0 h 484751"/>
+                <a:gd name="connsiteX2" fmla="*/ 2411760 w 2411760"/>
+                <a:gd name="connsiteY2" fmla="*/ 484751 h 484751"/>
+                <a:gd name="connsiteX3" fmla="*/ 0 w 2411760"/>
+                <a:gd name="connsiteY3" fmla="*/ 484751 h 484751"/>
+                <a:gd name="connsiteX4" fmla="*/ 0 w 2411760"/>
+                <a:gd name="connsiteY4" fmla="*/ 0 h 484751"/>
+                <a:gd name="connsiteX0" fmla="*/ 0 w 2849910"/>
+                <a:gd name="connsiteY0" fmla="*/ 0 h 484751"/>
+                <a:gd name="connsiteX1" fmla="*/ 2411760 w 2849910"/>
+                <a:gd name="connsiteY1" fmla="*/ 0 h 484751"/>
+                <a:gd name="connsiteX2" fmla="*/ 2849910 w 2849910"/>
+                <a:gd name="connsiteY2" fmla="*/ 484751 h 484751"/>
+                <a:gd name="connsiteX3" fmla="*/ 0 w 2849910"/>
+                <a:gd name="connsiteY3" fmla="*/ 484751 h 484751"/>
+                <a:gd name="connsiteX4" fmla="*/ 0 w 2849910"/>
+                <a:gd name="connsiteY4" fmla="*/ 0 h 484751"/>
+              </a:gdLst>
+              <a:ahLst/>
+              <a:cxnLst>
+                <a:cxn ang="0">
+                  <a:pos x="connsiteX0" y="connsiteY0"/>
+                </a:cxn>
+                <a:cxn ang="0">
+                  <a:pos x="connsiteX1" y="connsiteY1"/>
+                </a:cxn>
+                <a:cxn ang="0">
+                  <a:pos x="connsiteX2" y="connsiteY2"/>
+                </a:cxn>
+                <a:cxn ang="0">
+                  <a:pos x="connsiteX3" y="connsiteY3"/>
+                </a:cxn>
+                <a:cxn ang="0">
+                  <a:pos x="connsiteX4" y="connsiteY4"/>
+                </a:cxn>
+              </a:cxnLst>
+              <a:rect l="l" t="t" r="r" b="b"/>
+              <a:pathLst>
+                <a:path w="2849910" h="484751">
+                  <a:moveTo>
+                    <a:pt x="0" y="0"/>
+                  </a:moveTo>
+                  <a:lnTo>
+                    <a:pt x="2411760" y="0"/>
+                  </a:lnTo>
+                  <a:lnTo>
+                    <a:pt x="2849910" y="484751"/>
+                  </a:lnTo>
+                  <a:lnTo>
+                    <a:pt x="0" y="484751"/>
+                  </a:lnTo>
+                  <a:lnTo>
+                    <a:pt x="0" y="0"/>
+                  </a:lnTo>
+                  <a:close/>
+                </a:path>
+              </a:pathLst>
+            </a:custGeom>
+            <a:grpFill/>
+            <a:ln>
+              <a:noFill/>
+            </a:ln>
+          </p:spPr>
+          <p:style>
+            <a:lnRef idx="2">
+              <a:schemeClr val="accent1">
+                <a:shade val="50000"/>
+              </a:schemeClr>
+            </a:lnRef>
+            <a:fillRef idx="1">
+              <a:schemeClr val="accent1"/>
+            </a:fillRef>
+            <a:effectRef idx="0">
+              <a:schemeClr val="accent1"/>
+            </a:effectRef>
+            <a:fontRef idx="minor">
+              <a:schemeClr val="lt1"/>
+            </a:fontRef>
+          </p:style>
+          <p:txBody>
+            <a:bodyPr rot="0" spcFirstLastPara="0" vertOverflow="overflow" horzOverflow="overflow" vert="horz" wrap="square" lIns="91440" tIns="45720" rIns="91440" bIns="45720" numCol="1" spcCol="0" rtlCol="0" fromWordArt="0" anchor="ctr" anchorCtr="0" forceAA="0" compatLnSpc="1">
+              <a:prstTxWarp prst="textNoShape">
+                <a:avLst/>
+              </a:prstTxWarp>
+              <a:noAutofit/>
+            </a:bodyPr>
+            <a:lstStyle/>
+            <a:p>
+              <a:pPr algn="ctr"/>
+              <a:endParaRPr lang="zh-CN" altLang="en-US" dirty="0">
+                <a:solidFill>
+                  <a:schemeClr val="bg1"/>
+                </a:solidFill>
+                <a:ea typeface="微软雅黑" pitchFamily="34" charset="-122"/>
+              </a:endParaRPr>
+            </a:p>
+          </p:txBody>
+        </p:sp>
+        <p:sp>
+          <p:nvSpPr>
+            <p:cNvPr id="13" name="矩形 12">
+              <a:extLst>
+                <a:ext uri="{FF2B5EF4-FFF2-40B4-BE49-F238E27FC236}">
+                  <a16:creationId xmlns:a16="http://schemas.microsoft.com/office/drawing/2014/main" id="{BDDF7C39-E965-4191-9789-0DC3F8BA687A}"/>
+                </a:ext>
+              </a:extLst>
+            </p:cNvPr>
+            <p:cNvSpPr/>
+            <p:nvPr/>
+          </p:nvSpPr>
+          <p:spPr>
+            <a:xfrm>
+              <a:off x="365573" y="628375"/>
+              <a:ext cx="3080943" cy="409635"/>
+            </a:xfrm>
+            <a:prstGeom prst="rect">
+              <a:avLst/>
+            </a:prstGeom>
+            <a:grpFill/>
+          </p:spPr>
+          <p:txBody>
+            <a:bodyPr wrap="square">
+              <a:spAutoFit/>
+            </a:bodyPr>
+            <a:lstStyle/>
+            <a:p>
+              <a:r>
+                <a:rPr lang="zh-CN" altLang="en-US" sz="2000" b="1" kern="0" dirty="0">
+                  <a:solidFill>
+                    <a:schemeClr val="bg1"/>
+                  </a:solidFill>
+                  <a:latin typeface="微软雅黑" pitchFamily="34" charset="-122"/>
+                  <a:ea typeface="微软雅黑" pitchFamily="34" charset="-122"/>
+                </a:rPr>
+                <a:t>航空管理系统</a:t>
+              </a:r>
+              <a:endParaRPr lang="zh-CN" altLang="en-US" sz="2000" b="1" dirty="0">
+                <a:solidFill>
+                  <a:schemeClr val="bg1"/>
+                </a:solidFill>
+                <a:ea typeface="微软雅黑" pitchFamily="34" charset="-122"/>
+              </a:endParaRPr>
+            </a:p>
+          </p:txBody>
+        </p:sp>
+      </p:grpSp>
     </p:spTree>
     <p:extLst>
       <p:ext uri="{BB962C8B-B14F-4D97-AF65-F5344CB8AC3E}">
@@ -15067,6 +15507,88 @@
                                         </p:tgtEl>
                                       </p:cBhvr>
                                     </p:animEffect>
+                                  </p:childTnLst>
+                                </p:cTn>
+                              </p:par>
+                            </p:childTnLst>
+                          </p:cTn>
+                        </p:par>
+                        <p:par>
+                          <p:cTn id="26" fill="hold">
+                            <p:stCondLst>
+                              <p:cond delay="3050"/>
+                            </p:stCondLst>
+                            <p:childTnLst>
+                              <p:par>
+                                <p:cTn id="27" presetID="2" presetClass="entr" presetSubtype="8" fill="hold" nodeType="afterEffect">
+                                  <p:stCondLst>
+                                    <p:cond delay="0"/>
+                                  </p:stCondLst>
+                                  <p:childTnLst>
+                                    <p:set>
+                                      <p:cBhvr>
+                                        <p:cTn id="28" dur="1" fill="hold">
+                                          <p:stCondLst>
+                                            <p:cond delay="0"/>
+                                          </p:stCondLst>
+                                        </p:cTn>
+                                        <p:tgtEl>
+                                          <p:spTgt spid="11"/>
+                                        </p:tgtEl>
+                                        <p:attrNameLst>
+                                          <p:attrName>style.visibility</p:attrName>
+                                        </p:attrNameLst>
+                                      </p:cBhvr>
+                                      <p:to>
+                                        <p:strVal val="visible"/>
+                                      </p:to>
+                                    </p:set>
+                                    <p:anim calcmode="lin" valueType="num">
+                                      <p:cBhvr additive="base">
+                                        <p:cTn id="29" dur="500" fill="hold"/>
+                                        <p:tgtEl>
+                                          <p:spTgt spid="11"/>
+                                        </p:tgtEl>
+                                        <p:attrNameLst>
+                                          <p:attrName>ppt_x</p:attrName>
+                                        </p:attrNameLst>
+                                      </p:cBhvr>
+                                      <p:tavLst>
+                                        <p:tav tm="0">
+                                          <p:val>
+                                            <p:strVal val="0-#ppt_w/2"/>
+                                          </p:val>
+                                        </p:tav>
+                                        <p:tav tm="100000">
+                                          <p:val>
+                                            <p:strVal val="#ppt_x"/>
+                                          </p:val>
+                                        </p:tav>
+                                      </p:tavLst>
+                                    </p:anim>
+                                    <p:anim calcmode="lin" valueType="num">
+                                      <p:cBhvr additive="base">
+                                        <p:cTn id="30" dur="500" fill="hold"/>
+                                        <p:tgtEl>
+                                          <p:spTgt spid="11"/>
+                                        </p:tgtEl>
+                                        <p:attrNameLst>
+                                          <p:attrName>ppt_y</p:attrName>
+                                        </p:attrNameLst>
+                                      </p:cBhvr>
+                                      <p:tavLst>
+                                        <p:tav tm="0">
+                                          <p:val>
+                                            <p:strVal val="#ppt_y"/>
+                                          </p:val>
+                                        </p:tav>
+                                        <p:tav tm="100000">
+                                          <p:val>
+                                            <p:strVal val="#ppt_y"/>
+                                          </p:val>
+                                        </p:tav>
+                                      </p:tavLst>
+                                    </p:anim>
                                   </p:childTnLst>
                                 </p:cTn>
                               </p:par>
@@ -16409,6 +16931,339 @@
           </a:prstGeom>
         </p:spPr>
       </p:pic>
+      <p:pic>
+        <p:nvPicPr>
+          <p:cNvPr id="3" name="图片 2">
+            <a:extLst>
+              <a:ext uri="{FF2B5EF4-FFF2-40B4-BE49-F238E27FC236}">
+                <a16:creationId xmlns:a16="http://schemas.microsoft.com/office/drawing/2014/main" id="{AA794D5F-7A9C-4234-8504-CF7A16CF5139}"/>
+              </a:ext>
+            </a:extLst>
+          </p:cNvPr>
+          <p:cNvPicPr>
+            <a:picLocks noChangeAspect="1"/>
+          </p:cNvPicPr>
+          <p:nvPr/>
+        </p:nvPicPr>
+        <p:blipFill>
+          <a:blip r:embed="rId5"/>
+          <a:stretch>
+            <a:fillRect/>
+          </a:stretch>
+        </p:blipFill>
+        <p:spPr>
+          <a:xfrm>
+            <a:off x="-14055" y="3319703"/>
+            <a:ext cx="1287494" cy="596313"/>
+          </a:xfrm>
+          <a:prstGeom prst="rect">
+            <a:avLst/>
+          </a:prstGeom>
+        </p:spPr>
+      </p:pic>
+      <p:pic>
+        <p:nvPicPr>
+          <p:cNvPr id="8" name="图片 7">
+            <a:extLst>
+              <a:ext uri="{FF2B5EF4-FFF2-40B4-BE49-F238E27FC236}">
+                <a16:creationId xmlns:a16="http://schemas.microsoft.com/office/drawing/2014/main" id="{5D9B186C-7714-4ABF-8A4D-E69CEF5BD371}"/>
+              </a:ext>
+            </a:extLst>
+          </p:cNvPr>
+          <p:cNvPicPr>
+            <a:picLocks noChangeAspect="1"/>
+          </p:cNvPicPr>
+          <p:nvPr/>
+        </p:nvPicPr>
+        <p:blipFill>
+          <a:blip r:embed="rId6"/>
+          <a:stretch>
+            <a:fillRect/>
+          </a:stretch>
+        </p:blipFill>
+        <p:spPr>
+          <a:xfrm>
+            <a:off x="-3781" y="3916016"/>
+            <a:ext cx="1266946" cy="704762"/>
+          </a:xfrm>
+          <a:prstGeom prst="rect">
+            <a:avLst/>
+          </a:prstGeom>
+        </p:spPr>
+      </p:pic>
+      <p:sp>
+        <p:nvSpPr>
+          <p:cNvPr id="32" name="矩形 31">
+            <a:extLst>
+              <a:ext uri="{FF2B5EF4-FFF2-40B4-BE49-F238E27FC236}">
+                <a16:creationId xmlns:a16="http://schemas.microsoft.com/office/drawing/2014/main" id="{8EBFD0B8-28F6-4CEB-912B-94EB3F08A17E}"/>
+              </a:ext>
+            </a:extLst>
+          </p:cNvPr>
+          <p:cNvSpPr/>
+          <p:nvPr/>
+        </p:nvSpPr>
+        <p:spPr>
+          <a:xfrm>
+            <a:off x="96194" y="2275486"/>
+            <a:ext cx="1081315" cy="333828"/>
+          </a:xfrm>
+          <a:prstGeom prst="rect">
+            <a:avLst/>
+          </a:prstGeom>
+          <a:solidFill>
+            <a:srgbClr val="F2F2F2"/>
+          </a:solidFill>
+          <a:ln>
+            <a:noFill/>
+          </a:ln>
+        </p:spPr>
+        <p:style>
+          <a:lnRef idx="2">
+            <a:schemeClr val="accent1">
+              <a:shade val="50000"/>
+            </a:schemeClr>
+          </a:lnRef>
+          <a:fillRef idx="1">
+            <a:schemeClr val="accent1"/>
+          </a:fillRef>
+          <a:effectRef idx="0">
+            <a:schemeClr val="accent1"/>
+          </a:effectRef>
+          <a:fontRef idx="minor">
+            <a:schemeClr val="lt1"/>
+          </a:fontRef>
+        </p:style>
+        <p:txBody>
+          <a:bodyPr rtlCol="0" anchor="ctr"/>
+          <a:lstStyle/>
+          <a:p>
+            <a:pPr algn="ctr"/>
+            <a:endParaRPr lang="zh-CN" altLang="en-US" dirty="0"/>
+          </a:p>
+        </p:txBody>
+      </p:sp>
+      <p:sp>
+        <p:nvSpPr>
+          <p:cNvPr id="33" name="文本框 32">
+            <a:extLst>
+              <a:ext uri="{FF2B5EF4-FFF2-40B4-BE49-F238E27FC236}">
+                <a16:creationId xmlns:a16="http://schemas.microsoft.com/office/drawing/2014/main" id="{92A7F77E-9722-4096-9E93-09F585C6BC7E}"/>
+              </a:ext>
+            </a:extLst>
+          </p:cNvPr>
+          <p:cNvSpPr txBox="1"/>
+          <p:nvPr/>
+        </p:nvSpPr>
+        <p:spPr>
+          <a:xfrm>
+            <a:off x="259022" y="2275486"/>
+            <a:ext cx="885372" cy="276999"/>
+          </a:xfrm>
+          <a:prstGeom prst="rect">
+            <a:avLst/>
+          </a:prstGeom>
+          <a:noFill/>
+        </p:spPr>
+        <p:txBody>
+          <a:bodyPr wrap="square" rtlCol="0">
+            <a:spAutoFit/>
+          </a:bodyPr>
+          <a:lstStyle/>
+          <a:p>
+            <a:endParaRPr lang="zh-CN" altLang="en-US" sz="1200" dirty="0">
+              <a:solidFill>
+                <a:srgbClr val="595959"/>
+              </a:solidFill>
+              <a:latin typeface="+mn-ea"/>
+            </a:endParaRPr>
+          </a:p>
+        </p:txBody>
+      </p:sp>
+      <p:sp>
+        <p:nvSpPr>
+          <p:cNvPr id="34" name="矩形 33">
+            <a:extLst>
+              <a:ext uri="{FF2B5EF4-FFF2-40B4-BE49-F238E27FC236}">
+                <a16:creationId xmlns:a16="http://schemas.microsoft.com/office/drawing/2014/main" id="{CF84A29E-B7A2-4298-8F59-31F601E75ACD}"/>
+              </a:ext>
+            </a:extLst>
+          </p:cNvPr>
+          <p:cNvSpPr/>
+          <p:nvPr/>
+        </p:nvSpPr>
+        <p:spPr>
+          <a:xfrm>
+            <a:off x="14780" y="2284370"/>
+            <a:ext cx="1081315" cy="333828"/>
+          </a:xfrm>
+          <a:prstGeom prst="rect">
+            <a:avLst/>
+          </a:prstGeom>
+          <a:solidFill>
+            <a:srgbClr val="F2F2F2"/>
+          </a:solidFill>
+          <a:ln>
+            <a:noFill/>
+          </a:ln>
+        </p:spPr>
+        <p:style>
+          <a:lnRef idx="2">
+            <a:schemeClr val="accent1">
+              <a:shade val="50000"/>
+            </a:schemeClr>
+          </a:lnRef>
+          <a:fillRef idx="1">
+            <a:schemeClr val="accent1"/>
+          </a:fillRef>
+          <a:effectRef idx="0">
+            <a:schemeClr val="accent1"/>
+          </a:effectRef>
+          <a:fontRef idx="minor">
+            <a:schemeClr val="lt1"/>
+          </a:fontRef>
+        </p:style>
+        <p:txBody>
+          <a:bodyPr rtlCol="0" anchor="ctr"/>
+          <a:lstStyle/>
+          <a:p>
+            <a:pPr algn="ctr"/>
+            <a:endParaRPr lang="zh-CN" altLang="en-US"/>
+          </a:p>
+        </p:txBody>
+      </p:sp>
+      <p:sp>
+        <p:nvSpPr>
+          <p:cNvPr id="35" name="文本框 34">
+            <a:extLst>
+              <a:ext uri="{FF2B5EF4-FFF2-40B4-BE49-F238E27FC236}">
+                <a16:creationId xmlns:a16="http://schemas.microsoft.com/office/drawing/2014/main" id="{B3075FF9-9DC6-4EF0-9CD1-BBED1B1A543D}"/>
+              </a:ext>
+            </a:extLst>
+          </p:cNvPr>
+          <p:cNvSpPr txBox="1"/>
+          <p:nvPr/>
+        </p:nvSpPr>
+        <p:spPr>
+          <a:xfrm>
+            <a:off x="200606" y="2298469"/>
+            <a:ext cx="999901" cy="276999"/>
+          </a:xfrm>
+          <a:prstGeom prst="rect">
+            <a:avLst/>
+          </a:prstGeom>
+          <a:noFill/>
+        </p:spPr>
+        <p:txBody>
+          <a:bodyPr wrap="square" rtlCol="0">
+            <a:spAutoFit/>
+          </a:bodyPr>
+          <a:lstStyle/>
+          <a:p>
+            <a:r>
+              <a:rPr lang="zh-CN" altLang="en-US" sz="1200" dirty="0">
+                <a:solidFill>
+                  <a:srgbClr val="595959"/>
+                </a:solidFill>
+                <a:latin typeface="+mn-ea"/>
+              </a:rPr>
+              <a:t>分析与设计</a:t>
+            </a:r>
+          </a:p>
+        </p:txBody>
+      </p:sp>
+      <p:sp>
+        <p:nvSpPr>
+          <p:cNvPr id="36" name="矩形 35">
+            <a:extLst>
+              <a:ext uri="{FF2B5EF4-FFF2-40B4-BE49-F238E27FC236}">
+                <a16:creationId xmlns:a16="http://schemas.microsoft.com/office/drawing/2014/main" id="{5DE661D7-DF67-4674-8EED-C41CF10B14DC}"/>
+              </a:ext>
+            </a:extLst>
+          </p:cNvPr>
+          <p:cNvSpPr/>
+          <p:nvPr/>
+        </p:nvSpPr>
+        <p:spPr>
+          <a:xfrm>
+            <a:off x="103661" y="2825979"/>
+            <a:ext cx="1081315" cy="333828"/>
+          </a:xfrm>
+          <a:prstGeom prst="rect">
+            <a:avLst/>
+          </a:prstGeom>
+          <a:solidFill>
+            <a:srgbClr val="F2F2F2"/>
+          </a:solidFill>
+          <a:ln>
+            <a:noFill/>
+          </a:ln>
+        </p:spPr>
+        <p:style>
+          <a:lnRef idx="2">
+            <a:schemeClr val="accent1">
+              <a:shade val="50000"/>
+            </a:schemeClr>
+          </a:lnRef>
+          <a:fillRef idx="1">
+            <a:schemeClr val="accent1"/>
+          </a:fillRef>
+          <a:effectRef idx="0">
+            <a:schemeClr val="accent1"/>
+          </a:effectRef>
+          <a:fontRef idx="minor">
+            <a:schemeClr val="lt1"/>
+          </a:fontRef>
+        </p:style>
+        <p:txBody>
+          <a:bodyPr rtlCol="0" anchor="ctr"/>
+          <a:lstStyle/>
+          <a:p>
+            <a:pPr algn="ctr"/>
+            <a:endParaRPr lang="zh-CN" altLang="en-US"/>
+          </a:p>
+        </p:txBody>
+      </p:sp>
+      <p:sp>
+        <p:nvSpPr>
+          <p:cNvPr id="37" name="文本框 36">
+            <a:extLst>
+              <a:ext uri="{FF2B5EF4-FFF2-40B4-BE49-F238E27FC236}">
+                <a16:creationId xmlns:a16="http://schemas.microsoft.com/office/drawing/2014/main" id="{202A68A7-4C60-494E-BCE0-0514E844FB8F}"/>
+              </a:ext>
+            </a:extLst>
+          </p:cNvPr>
+          <p:cNvSpPr txBox="1"/>
+          <p:nvPr/>
+        </p:nvSpPr>
+        <p:spPr>
+          <a:xfrm>
+            <a:off x="193096" y="2843422"/>
+            <a:ext cx="1017224" cy="276999"/>
+          </a:xfrm>
+          <a:prstGeom prst="rect">
+            <a:avLst/>
+          </a:prstGeom>
+          <a:noFill/>
+        </p:spPr>
+        <p:txBody>
+          <a:bodyPr wrap="square" rtlCol="0">
+            <a:spAutoFit/>
+          </a:bodyPr>
+          <a:lstStyle/>
+          <a:p>
+            <a:r>
+              <a:rPr lang="zh-CN" altLang="en-US" sz="1200" dirty="0">
+                <a:solidFill>
+                  <a:srgbClr val="595959"/>
+                </a:solidFill>
+                <a:latin typeface="+mn-ea"/>
+              </a:rPr>
+              <a:t>开发与实现</a:t>
+            </a:r>
+          </a:p>
+        </p:txBody>
+      </p:sp>
     </p:spTree>
     <p:extLst>
       <p:ext uri="{BB962C8B-B14F-4D97-AF65-F5344CB8AC3E}">
@@ -18784,6 +19639,36 @@
           </a:p>
         </p:txBody>
       </p:sp>
+      <p:pic>
+        <p:nvPicPr>
+          <p:cNvPr id="4" name="图片 3">
+            <a:extLst>
+              <a:ext uri="{FF2B5EF4-FFF2-40B4-BE49-F238E27FC236}">
+                <a16:creationId xmlns:a16="http://schemas.microsoft.com/office/drawing/2014/main" id="{E5A89C16-9B1C-4B68-B334-29CAFB6DCA76}"/>
+              </a:ext>
+            </a:extLst>
+          </p:cNvPr>
+          <p:cNvPicPr>
+            <a:picLocks noChangeAspect="1"/>
+          </p:cNvPicPr>
+          <p:nvPr/>
+        </p:nvPicPr>
+        <p:blipFill>
+          <a:blip r:embed="rId3"/>
+          <a:stretch>
+            <a:fillRect/>
+          </a:stretch>
+        </p:blipFill>
+        <p:spPr>
+          <a:xfrm>
+            <a:off x="7043085" y="4851409"/>
+            <a:ext cx="1143099" cy="292091"/>
+          </a:xfrm>
+          <a:prstGeom prst="rect">
+            <a:avLst/>
+          </a:prstGeom>
+        </p:spPr>
+      </p:pic>
     </p:spTree>
     <p:extLst>
       <p:ext uri="{BB962C8B-B14F-4D97-AF65-F5344CB8AC3E}">
@@ -25383,6 +26268,220 @@
           </a:prstGeom>
         </p:spPr>
       </p:pic>
+      <p:pic>
+        <p:nvPicPr>
+          <p:cNvPr id="4" name="图片 3">
+            <a:extLst>
+              <a:ext uri="{FF2B5EF4-FFF2-40B4-BE49-F238E27FC236}">
+                <a16:creationId xmlns:a16="http://schemas.microsoft.com/office/drawing/2014/main" id="{E17674C2-B774-4CA6-B087-EE057D8A5176}"/>
+              </a:ext>
+            </a:extLst>
+          </p:cNvPr>
+          <p:cNvPicPr>
+            <a:picLocks noChangeAspect="1"/>
+          </p:cNvPicPr>
+          <p:nvPr/>
+        </p:nvPicPr>
+        <p:blipFill>
+          <a:blip r:embed="rId6"/>
+          <a:stretch>
+            <a:fillRect/>
+          </a:stretch>
+        </p:blipFill>
+        <p:spPr>
+          <a:xfrm>
+            <a:off x="-542591" y="4015039"/>
+            <a:ext cx="1800000" cy="704762"/>
+          </a:xfrm>
+          <a:prstGeom prst="rect">
+            <a:avLst/>
+          </a:prstGeom>
+        </p:spPr>
+      </p:pic>
+      <p:sp>
+        <p:nvSpPr>
+          <p:cNvPr id="28" name="矩形 27">
+            <a:extLst>
+              <a:ext uri="{FF2B5EF4-FFF2-40B4-BE49-F238E27FC236}">
+                <a16:creationId xmlns:a16="http://schemas.microsoft.com/office/drawing/2014/main" id="{58E03B08-1713-4237-A645-254CE086739D}"/>
+              </a:ext>
+            </a:extLst>
+          </p:cNvPr>
+          <p:cNvSpPr/>
+          <p:nvPr/>
+        </p:nvSpPr>
+        <p:spPr>
+          <a:xfrm>
+            <a:off x="99076" y="2870271"/>
+            <a:ext cx="1081315" cy="333828"/>
+          </a:xfrm>
+          <a:prstGeom prst="rect">
+            <a:avLst/>
+          </a:prstGeom>
+          <a:solidFill>
+            <a:srgbClr val="F2F2F2"/>
+          </a:solidFill>
+          <a:ln>
+            <a:noFill/>
+          </a:ln>
+        </p:spPr>
+        <p:style>
+          <a:lnRef idx="2">
+            <a:schemeClr val="accent1">
+              <a:shade val="50000"/>
+            </a:schemeClr>
+          </a:lnRef>
+          <a:fillRef idx="1">
+            <a:schemeClr val="accent1"/>
+          </a:fillRef>
+          <a:effectRef idx="0">
+            <a:schemeClr val="accent1"/>
+          </a:effectRef>
+          <a:fontRef idx="minor">
+            <a:schemeClr val="lt1"/>
+          </a:fontRef>
+        </p:style>
+        <p:txBody>
+          <a:bodyPr rtlCol="0" anchor="ctr"/>
+          <a:lstStyle/>
+          <a:p>
+            <a:pPr algn="ctr"/>
+            <a:endParaRPr lang="zh-CN" altLang="en-US"/>
+          </a:p>
+        </p:txBody>
+      </p:sp>
+      <p:sp>
+        <p:nvSpPr>
+          <p:cNvPr id="31" name="文本框 30">
+            <a:extLst>
+              <a:ext uri="{FF2B5EF4-FFF2-40B4-BE49-F238E27FC236}">
+                <a16:creationId xmlns:a16="http://schemas.microsoft.com/office/drawing/2014/main" id="{9F73F4DD-5D7A-4F13-8DE8-848558F4B1B5}"/>
+              </a:ext>
+            </a:extLst>
+          </p:cNvPr>
+          <p:cNvSpPr txBox="1"/>
+          <p:nvPr/>
+        </p:nvSpPr>
+        <p:spPr>
+          <a:xfrm>
+            <a:off x="184886" y="2871446"/>
+            <a:ext cx="995505" cy="276999"/>
+          </a:xfrm>
+          <a:prstGeom prst="rect">
+            <a:avLst/>
+          </a:prstGeom>
+          <a:noFill/>
+        </p:spPr>
+        <p:txBody>
+          <a:bodyPr wrap="square" rtlCol="0">
+            <a:spAutoFit/>
+          </a:bodyPr>
+          <a:lstStyle/>
+          <a:p>
+            <a:r>
+              <a:rPr lang="zh-CN" altLang="en-US" sz="1200" dirty="0">
+                <a:solidFill>
+                  <a:srgbClr val="595959"/>
+                </a:solidFill>
+                <a:latin typeface="+mn-ea"/>
+              </a:rPr>
+              <a:t>开发与实现</a:t>
+            </a:r>
+          </a:p>
+        </p:txBody>
+      </p:sp>
+      <p:sp>
+        <p:nvSpPr>
+          <p:cNvPr id="32" name="矩形 31">
+            <a:extLst>
+              <a:ext uri="{FF2B5EF4-FFF2-40B4-BE49-F238E27FC236}">
+                <a16:creationId xmlns:a16="http://schemas.microsoft.com/office/drawing/2014/main" id="{1E95C5FE-72E9-4291-87BE-E5A49AB7136A}"/>
+              </a:ext>
+            </a:extLst>
+          </p:cNvPr>
+          <p:cNvSpPr/>
+          <p:nvPr/>
+        </p:nvSpPr>
+        <p:spPr>
+          <a:xfrm>
+            <a:off x="99076" y="3450747"/>
+            <a:ext cx="1081315" cy="333828"/>
+          </a:xfrm>
+          <a:prstGeom prst="rect">
+            <a:avLst/>
+          </a:prstGeom>
+          <a:solidFill>
+            <a:srgbClr val="F2F2F2"/>
+          </a:solidFill>
+          <a:ln>
+            <a:noFill/>
+          </a:ln>
+        </p:spPr>
+        <p:style>
+          <a:lnRef idx="2">
+            <a:schemeClr val="accent1">
+              <a:shade val="50000"/>
+            </a:schemeClr>
+          </a:lnRef>
+          <a:fillRef idx="1">
+            <a:schemeClr val="accent1"/>
+          </a:fillRef>
+          <a:effectRef idx="0">
+            <a:schemeClr val="accent1"/>
+          </a:effectRef>
+          <a:fontRef idx="minor">
+            <a:schemeClr val="lt1"/>
+          </a:fontRef>
+        </p:style>
+        <p:txBody>
+          <a:bodyPr rtlCol="0" anchor="ctr"/>
+          <a:lstStyle/>
+          <a:p>
+            <a:pPr algn="ctr"/>
+            <a:endParaRPr lang="zh-CN" altLang="en-US"/>
+          </a:p>
+        </p:txBody>
+      </p:sp>
+      <p:sp>
+        <p:nvSpPr>
+          <p:cNvPr id="33" name="文本框 32">
+            <a:extLst>
+              <a:ext uri="{FF2B5EF4-FFF2-40B4-BE49-F238E27FC236}">
+                <a16:creationId xmlns:a16="http://schemas.microsoft.com/office/drawing/2014/main" id="{0D620B19-2525-495A-94BB-813D148AF53F}"/>
+              </a:ext>
+            </a:extLst>
+          </p:cNvPr>
+          <p:cNvSpPr txBox="1"/>
+          <p:nvPr/>
+        </p:nvSpPr>
+        <p:spPr>
+          <a:xfrm>
+            <a:off x="183715" y="3450747"/>
+            <a:ext cx="1081315" cy="276999"/>
+          </a:xfrm>
+          <a:prstGeom prst="rect">
+            <a:avLst/>
+          </a:prstGeom>
+          <a:noFill/>
+        </p:spPr>
+        <p:txBody>
+          <a:bodyPr wrap="square" rtlCol="0">
+            <a:spAutoFit/>
+          </a:bodyPr>
+          <a:lstStyle/>
+          <a:p>
+            <a:r>
+              <a:rPr lang="zh-CN" altLang="en-US" sz="1200" dirty="0">
+                <a:solidFill>
+                  <a:srgbClr val="595959"/>
+                </a:solidFill>
+                <a:latin typeface="+mn-ea"/>
+              </a:rPr>
+              <a:t>建议与总结</a:t>
+            </a:r>
+          </a:p>
+        </p:txBody>
+      </p:sp>
     </p:spTree>
     <p:extLst>
       <p:ext uri="{BB962C8B-B14F-4D97-AF65-F5344CB8AC3E}">
@@ -26351,6 +27450,198 @@
           </a:prstGeom>
         </p:spPr>
       </p:pic>
+      <p:grpSp>
+        <p:nvGrpSpPr>
+          <p:cNvPr id="12" name="组合 11">
+            <a:extLst>
+              <a:ext uri="{FF2B5EF4-FFF2-40B4-BE49-F238E27FC236}">
+                <a16:creationId xmlns:a16="http://schemas.microsoft.com/office/drawing/2014/main" id="{A7617F95-28E7-4A63-AB93-6BE510B43A0B}"/>
+              </a:ext>
+            </a:extLst>
+          </p:cNvPr>
+          <p:cNvGrpSpPr/>
+          <p:nvPr/>
+        </p:nvGrpSpPr>
+        <p:grpSpPr>
+          <a:xfrm>
+            <a:off x="0" y="264841"/>
+            <a:ext cx="2358571" cy="449319"/>
+            <a:chOff x="-1" y="588691"/>
+            <a:chExt cx="3986185" cy="449319"/>
+          </a:xfrm>
+          <a:solidFill>
+            <a:srgbClr val="314865"/>
+          </a:solidFill>
+        </p:grpSpPr>
+        <p:sp>
+          <p:nvSpPr>
+            <p:cNvPr id="13" name="矩形 1">
+              <a:extLst>
+                <a:ext uri="{FF2B5EF4-FFF2-40B4-BE49-F238E27FC236}">
+                  <a16:creationId xmlns:a16="http://schemas.microsoft.com/office/drawing/2014/main" id="{4253A351-3D7C-4C98-8F43-3616D2BAC162}"/>
+                </a:ext>
+              </a:extLst>
+            </p:cNvPr>
+            <p:cNvSpPr/>
+            <p:nvPr/>
+          </p:nvSpPr>
+          <p:spPr>
+            <a:xfrm>
+              <a:off x="-1" y="588691"/>
+              <a:ext cx="3986185" cy="449319"/>
+            </a:xfrm>
+            <a:custGeom>
+              <a:avLst/>
+              <a:gdLst>
+                <a:gd name="connsiteX0" fmla="*/ 0 w 2411760"/>
+                <a:gd name="connsiteY0" fmla="*/ 0 h 484751"/>
+                <a:gd name="connsiteX1" fmla="*/ 2411760 w 2411760"/>
+                <a:gd name="connsiteY1" fmla="*/ 0 h 484751"/>
+                <a:gd name="connsiteX2" fmla="*/ 2411760 w 2411760"/>
+                <a:gd name="connsiteY2" fmla="*/ 484751 h 484751"/>
+                <a:gd name="connsiteX3" fmla="*/ 0 w 2411760"/>
+                <a:gd name="connsiteY3" fmla="*/ 484751 h 484751"/>
+                <a:gd name="connsiteX4" fmla="*/ 0 w 2411760"/>
+                <a:gd name="connsiteY4" fmla="*/ 0 h 484751"/>
+                <a:gd name="connsiteX0" fmla="*/ 0 w 2849910"/>
+                <a:gd name="connsiteY0" fmla="*/ 0 h 484751"/>
+                <a:gd name="connsiteX1" fmla="*/ 2411760 w 2849910"/>
+                <a:gd name="connsiteY1" fmla="*/ 0 h 484751"/>
+                <a:gd name="connsiteX2" fmla="*/ 2849910 w 2849910"/>
+                <a:gd name="connsiteY2" fmla="*/ 484751 h 484751"/>
+                <a:gd name="connsiteX3" fmla="*/ 0 w 2849910"/>
+                <a:gd name="connsiteY3" fmla="*/ 484751 h 484751"/>
+                <a:gd name="connsiteX4" fmla="*/ 0 w 2849910"/>
+                <a:gd name="connsiteY4" fmla="*/ 0 h 484751"/>
+              </a:gdLst>
+              <a:ahLst/>
+              <a:cxnLst>
+                <a:cxn ang="0">
+                  <a:pos x="connsiteX0" y="connsiteY0"/>
+                </a:cxn>
+                <a:cxn ang="0">
+                  <a:pos x="connsiteX1" y="connsiteY1"/>
+                </a:cxn>
+                <a:cxn ang="0">
+                  <a:pos x="connsiteX2" y="connsiteY2"/>
+                </a:cxn>
+                <a:cxn ang="0">
+                  <a:pos x="connsiteX3" y="connsiteY3"/>
+                </a:cxn>
+                <a:cxn ang="0">
+                  <a:pos x="connsiteX4" y="connsiteY4"/>
+                </a:cxn>
+              </a:cxnLst>
+              <a:rect l="l" t="t" r="r" b="b"/>
+              <a:pathLst>
+                <a:path w="2849910" h="484751">
+                  <a:moveTo>
+                    <a:pt x="0" y="0"/>
+                  </a:moveTo>
+                  <a:lnTo>
+                    <a:pt x="2411760" y="0"/>
+                  </a:lnTo>
+                  <a:lnTo>
+                    <a:pt x="2849910" y="484751"/>
+                  </a:lnTo>
+                  <a:lnTo>
+                    <a:pt x="0" y="484751"/>
+                  </a:lnTo>
+                  <a:lnTo>
+                    <a:pt x="0" y="0"/>
+                  </a:lnTo>
+                  <a:close/>
+                </a:path>
+              </a:pathLst>
+            </a:custGeom>
+            <a:grpFill/>
+            <a:ln>
+              <a:noFill/>
+            </a:ln>
+          </p:spPr>
+          <p:style>
+            <a:lnRef idx="2">
+              <a:schemeClr val="accent1">
+                <a:shade val="50000"/>
+              </a:schemeClr>
+            </a:lnRef>
+            <a:fillRef idx="1">
+              <a:schemeClr val="accent1"/>
+            </a:fillRef>
+            <a:effectRef idx="0">
+              <a:schemeClr val="accent1"/>
+            </a:effectRef>
+            <a:fontRef idx="minor">
+              <a:schemeClr val="lt1"/>
+            </a:fontRef>
+          </p:style>
+          <p:txBody>
+            <a:bodyPr rot="0" spcFirstLastPara="0" vertOverflow="overflow" horzOverflow="overflow" vert="horz" wrap="square" lIns="91440" tIns="45720" rIns="91440" bIns="45720" numCol="1" spcCol="0" rtlCol="0" fromWordArt="0" anchor="ctr" anchorCtr="0" forceAA="0" compatLnSpc="1">
+              <a:prstTxWarp prst="textNoShape">
+                <a:avLst/>
+              </a:prstTxWarp>
+              <a:noAutofit/>
+            </a:bodyPr>
+            <a:lstStyle/>
+            <a:p>
+              <a:pPr algn="ctr"/>
+              <a:endParaRPr lang="zh-CN" altLang="en-US" dirty="0">
+                <a:solidFill>
+                  <a:schemeClr val="bg1"/>
+                </a:solidFill>
+                <a:ea typeface="微软雅黑" pitchFamily="34" charset="-122"/>
+              </a:endParaRPr>
+            </a:p>
+          </p:txBody>
+        </p:sp>
+        <p:sp>
+          <p:nvSpPr>
+            <p:cNvPr id="14" name="矩形 13">
+              <a:extLst>
+                <a:ext uri="{FF2B5EF4-FFF2-40B4-BE49-F238E27FC236}">
+                  <a16:creationId xmlns:a16="http://schemas.microsoft.com/office/drawing/2014/main" id="{9E445C1A-DF35-4AB8-B785-4AC4199821F4}"/>
+                </a:ext>
+              </a:extLst>
+            </p:cNvPr>
+            <p:cNvSpPr/>
+            <p:nvPr/>
+          </p:nvSpPr>
+          <p:spPr>
+            <a:xfrm>
+              <a:off x="365573" y="628375"/>
+              <a:ext cx="3080943" cy="409635"/>
+            </a:xfrm>
+            <a:prstGeom prst="rect">
+              <a:avLst/>
+            </a:prstGeom>
+            <a:grpFill/>
+          </p:spPr>
+          <p:txBody>
+            <a:bodyPr wrap="square">
+              <a:spAutoFit/>
+            </a:bodyPr>
+            <a:lstStyle/>
+            <a:p>
+              <a:r>
+                <a:rPr lang="zh-CN" altLang="en-US" sz="2000" b="1" kern="0" dirty="0">
+                  <a:solidFill>
+                    <a:schemeClr val="bg1"/>
+                  </a:solidFill>
+                  <a:latin typeface="微软雅黑" pitchFamily="34" charset="-122"/>
+                  <a:ea typeface="微软雅黑" pitchFamily="34" charset="-122"/>
+                </a:rPr>
+                <a:t>航空管理系统</a:t>
+              </a:r>
+              <a:endParaRPr lang="zh-CN" altLang="en-US" sz="2000" b="1" dirty="0">
+                <a:solidFill>
+                  <a:schemeClr val="bg1"/>
+                </a:solidFill>
+                <a:ea typeface="微软雅黑" pitchFamily="34" charset="-122"/>
+              </a:endParaRPr>
+            </a:p>
+          </p:txBody>
+        </p:sp>
+      </p:grpSp>
     </p:spTree>
     <p:extLst>
       <p:ext uri="{BB962C8B-B14F-4D97-AF65-F5344CB8AC3E}">
@@ -26745,6 +28036,88 @@
                                         </p:tgtEl>
                                       </p:cBhvr>
                                     </p:animEffect>
+                                  </p:childTnLst>
+                                </p:cTn>
+                              </p:par>
+                            </p:childTnLst>
+                          </p:cTn>
+                        </p:par>
+                        <p:par>
+                          <p:cTn id="26" fill="hold">
+                            <p:stCondLst>
+                              <p:cond delay="3400"/>
+                            </p:stCondLst>
+                            <p:childTnLst>
+                              <p:par>
+                                <p:cTn id="27" presetID="2" presetClass="entr" presetSubtype="8" fill="hold" nodeType="afterEffect">
+                                  <p:stCondLst>
+                                    <p:cond delay="0"/>
+                                  </p:stCondLst>
+                                  <p:childTnLst>
+                                    <p:set>
+                                      <p:cBhvr>
+                                        <p:cTn id="28" dur="1" fill="hold">
+                                          <p:stCondLst>
+                                            <p:cond delay="0"/>
+                                          </p:stCondLst>
+                                        </p:cTn>
+                                        <p:tgtEl>
+                                          <p:spTgt spid="12"/>
+                                        </p:tgtEl>
+                                        <p:attrNameLst>
+                                          <p:attrName>style.visibility</p:attrName>
+                                        </p:attrNameLst>
+                                      </p:cBhvr>
+                                      <p:to>
+                                        <p:strVal val="visible"/>
+                                      </p:to>
+                                    </p:set>
+                                    <p:anim calcmode="lin" valueType="num">
+                                      <p:cBhvr additive="base">
+                                        <p:cTn id="29" dur="500" fill="hold"/>
+                                        <p:tgtEl>
+                                          <p:spTgt spid="12"/>
+                                        </p:tgtEl>
+                                        <p:attrNameLst>
+                                          <p:attrName>ppt_x</p:attrName>
+                                        </p:attrNameLst>
+                                      </p:cBhvr>
+                                      <p:tavLst>
+                                        <p:tav tm="0">
+                                          <p:val>
+                                            <p:strVal val="0-#ppt_w/2"/>
+                                          </p:val>
+                                        </p:tav>
+                                        <p:tav tm="100000">
+                                          <p:val>
+                                            <p:strVal val="#ppt_x"/>
+                                          </p:val>
+                                        </p:tav>
+                                      </p:tavLst>
+                                    </p:anim>
+                                    <p:anim calcmode="lin" valueType="num">
+                                      <p:cBhvr additive="base">
+                                        <p:cTn id="30" dur="500" fill="hold"/>
+                                        <p:tgtEl>
+                                          <p:spTgt spid="12"/>
+                                        </p:tgtEl>
+                                        <p:attrNameLst>
+                                          <p:attrName>ppt_y</p:attrName>
+                                        </p:attrNameLst>
+                                      </p:cBhvr>
+                                      <p:tavLst>
+                                        <p:tav tm="0">
+                                          <p:val>
+                                            <p:strVal val="#ppt_y"/>
+                                          </p:val>
+                                        </p:tav>
+                                        <p:tav tm="100000">
+                                          <p:val>
+                                            <p:strVal val="#ppt_y"/>
+                                          </p:val>
+                                        </p:tav>
+                                      </p:tavLst>
+                                    </p:anim>
                                   </p:childTnLst>
                                 </p:cTn>
                               </p:par>
@@ -28810,6 +30183,220 @@
                 <a:latin typeface="+mn-ea"/>
               </a:rPr>
               <a:t>分析与设计</a:t>
+            </a:r>
+          </a:p>
+        </p:txBody>
+      </p:sp>
+      <p:pic>
+        <p:nvPicPr>
+          <p:cNvPr id="13" name="图片 12">
+            <a:extLst>
+              <a:ext uri="{FF2B5EF4-FFF2-40B4-BE49-F238E27FC236}">
+                <a16:creationId xmlns:a16="http://schemas.microsoft.com/office/drawing/2014/main" id="{A6403CCC-EE7C-4920-A03A-6AC21EF69887}"/>
+              </a:ext>
+            </a:extLst>
+          </p:cNvPr>
+          <p:cNvPicPr>
+            <a:picLocks noChangeAspect="1"/>
+          </p:cNvPicPr>
+          <p:nvPr/>
+        </p:nvPicPr>
+        <p:blipFill>
+          <a:blip r:embed="rId4"/>
+          <a:stretch>
+            <a:fillRect/>
+          </a:stretch>
+        </p:blipFill>
+        <p:spPr>
+          <a:xfrm>
+            <a:off x="-547742" y="3980557"/>
+            <a:ext cx="1800000" cy="704762"/>
+          </a:xfrm>
+          <a:prstGeom prst="rect">
+            <a:avLst/>
+          </a:prstGeom>
+        </p:spPr>
+      </p:pic>
+      <p:sp>
+        <p:nvSpPr>
+          <p:cNvPr id="43" name="矩形 42">
+            <a:extLst>
+              <a:ext uri="{FF2B5EF4-FFF2-40B4-BE49-F238E27FC236}">
+                <a16:creationId xmlns:a16="http://schemas.microsoft.com/office/drawing/2014/main" id="{9631DA6D-B09B-47CA-B0B3-BFFDD95C3D97}"/>
+              </a:ext>
+            </a:extLst>
+          </p:cNvPr>
+          <p:cNvSpPr/>
+          <p:nvPr/>
+        </p:nvSpPr>
+        <p:spPr>
+          <a:xfrm>
+            <a:off x="110477" y="2883692"/>
+            <a:ext cx="1081315" cy="333828"/>
+          </a:xfrm>
+          <a:prstGeom prst="rect">
+            <a:avLst/>
+          </a:prstGeom>
+          <a:solidFill>
+            <a:srgbClr val="F2F2F2"/>
+          </a:solidFill>
+          <a:ln>
+            <a:noFill/>
+          </a:ln>
+        </p:spPr>
+        <p:style>
+          <a:lnRef idx="2">
+            <a:schemeClr val="accent1">
+              <a:shade val="50000"/>
+            </a:schemeClr>
+          </a:lnRef>
+          <a:fillRef idx="1">
+            <a:schemeClr val="accent1"/>
+          </a:fillRef>
+          <a:effectRef idx="0">
+            <a:schemeClr val="accent1"/>
+          </a:effectRef>
+          <a:fontRef idx="minor">
+            <a:schemeClr val="lt1"/>
+          </a:fontRef>
+        </p:style>
+        <p:txBody>
+          <a:bodyPr rtlCol="0" anchor="ctr"/>
+          <a:lstStyle/>
+          <a:p>
+            <a:pPr algn="ctr"/>
+            <a:endParaRPr lang="zh-CN" altLang="en-US"/>
+          </a:p>
+        </p:txBody>
+      </p:sp>
+      <p:sp>
+        <p:nvSpPr>
+          <p:cNvPr id="44" name="文本框 43">
+            <a:extLst>
+              <a:ext uri="{FF2B5EF4-FFF2-40B4-BE49-F238E27FC236}">
+                <a16:creationId xmlns:a16="http://schemas.microsoft.com/office/drawing/2014/main" id="{540DD1BE-7CEB-43A6-B748-6D3A33D6675E}"/>
+              </a:ext>
+            </a:extLst>
+          </p:cNvPr>
+          <p:cNvSpPr txBox="1"/>
+          <p:nvPr/>
+        </p:nvSpPr>
+        <p:spPr>
+          <a:xfrm>
+            <a:off x="221556" y="2883692"/>
+            <a:ext cx="965682" cy="276999"/>
+          </a:xfrm>
+          <a:prstGeom prst="rect">
+            <a:avLst/>
+          </a:prstGeom>
+          <a:noFill/>
+        </p:spPr>
+        <p:txBody>
+          <a:bodyPr wrap="square" rtlCol="0">
+            <a:spAutoFit/>
+          </a:bodyPr>
+          <a:lstStyle/>
+          <a:p>
+            <a:r>
+              <a:rPr lang="zh-CN" altLang="en-US" sz="1200" dirty="0">
+                <a:solidFill>
+                  <a:srgbClr val="595959"/>
+                </a:solidFill>
+                <a:latin typeface="+mn-ea"/>
+              </a:rPr>
+              <a:t>开发与实现</a:t>
+            </a:r>
+          </a:p>
+        </p:txBody>
+      </p:sp>
+      <p:sp>
+        <p:nvSpPr>
+          <p:cNvPr id="45" name="矩形 44">
+            <a:extLst>
+              <a:ext uri="{FF2B5EF4-FFF2-40B4-BE49-F238E27FC236}">
+                <a16:creationId xmlns:a16="http://schemas.microsoft.com/office/drawing/2014/main" id="{558E875F-0614-4F2A-82A6-278FC3BA957B}"/>
+              </a:ext>
+            </a:extLst>
+          </p:cNvPr>
+          <p:cNvSpPr/>
+          <p:nvPr/>
+        </p:nvSpPr>
+        <p:spPr>
+          <a:xfrm>
+            <a:off x="104629" y="3478004"/>
+            <a:ext cx="1081315" cy="333828"/>
+          </a:xfrm>
+          <a:prstGeom prst="rect">
+            <a:avLst/>
+          </a:prstGeom>
+          <a:solidFill>
+            <a:srgbClr val="F2F2F2"/>
+          </a:solidFill>
+          <a:ln>
+            <a:noFill/>
+          </a:ln>
+        </p:spPr>
+        <p:style>
+          <a:lnRef idx="2">
+            <a:schemeClr val="accent1">
+              <a:shade val="50000"/>
+            </a:schemeClr>
+          </a:lnRef>
+          <a:fillRef idx="1">
+            <a:schemeClr val="accent1"/>
+          </a:fillRef>
+          <a:effectRef idx="0">
+            <a:schemeClr val="accent1"/>
+          </a:effectRef>
+          <a:fontRef idx="minor">
+            <a:schemeClr val="lt1"/>
+          </a:fontRef>
+        </p:style>
+        <p:txBody>
+          <a:bodyPr rtlCol="0" anchor="ctr"/>
+          <a:lstStyle/>
+          <a:p>
+            <a:pPr algn="ctr"/>
+            <a:endParaRPr lang="zh-CN" altLang="en-US"/>
+          </a:p>
+        </p:txBody>
+      </p:sp>
+      <p:sp>
+        <p:nvSpPr>
+          <p:cNvPr id="46" name="文本框 45">
+            <a:extLst>
+              <a:ext uri="{FF2B5EF4-FFF2-40B4-BE49-F238E27FC236}">
+                <a16:creationId xmlns:a16="http://schemas.microsoft.com/office/drawing/2014/main" id="{B8EA62A0-20C5-4CEE-9FBE-2C5BFDDED4A9}"/>
+              </a:ext>
+            </a:extLst>
+          </p:cNvPr>
+          <p:cNvSpPr txBox="1"/>
+          <p:nvPr/>
+        </p:nvSpPr>
+        <p:spPr>
+          <a:xfrm>
+            <a:off x="220262" y="3476621"/>
+            <a:ext cx="965682" cy="276999"/>
+          </a:xfrm>
+          <a:prstGeom prst="rect">
+            <a:avLst/>
+          </a:prstGeom>
+          <a:noFill/>
+        </p:spPr>
+        <p:txBody>
+          <a:bodyPr wrap="square" rtlCol="0">
+            <a:spAutoFit/>
+          </a:bodyPr>
+          <a:lstStyle/>
+          <a:p>
+            <a:r>
+              <a:rPr lang="zh-CN" altLang="en-US" sz="1200" dirty="0">
+                <a:solidFill>
+                  <a:srgbClr val="595959"/>
+                </a:solidFill>
+                <a:latin typeface="+mn-ea"/>
+              </a:rPr>
+              <a:t>建议与总结</a:t>
             </a:r>
           </a:p>
         </p:txBody>
@@ -32209,36 +33796,6 @@
           </a:prstGeom>
         </p:spPr>
       </p:pic>
-      <p:pic>
-        <p:nvPicPr>
-          <p:cNvPr id="29" name="图片 28">
-            <a:extLst>
-              <a:ext uri="{FF2B5EF4-FFF2-40B4-BE49-F238E27FC236}">
-                <a16:creationId xmlns:a16="http://schemas.microsoft.com/office/drawing/2014/main" id="{1AC5E3C2-B0C4-87B1-6FF7-2E19E341AAC2}"/>
-              </a:ext>
-            </a:extLst>
-          </p:cNvPr>
-          <p:cNvPicPr>
-            <a:picLocks noChangeAspect="1"/>
-          </p:cNvPicPr>
-          <p:nvPr/>
-        </p:nvPicPr>
-        <p:blipFill>
-          <a:blip r:embed="rId4"/>
-          <a:stretch>
-            <a:fillRect/>
-          </a:stretch>
-        </p:blipFill>
-        <p:spPr>
-          <a:xfrm>
-            <a:off x="2293739" y="949779"/>
-            <a:ext cx="4960620" cy="3505200"/>
-          </a:xfrm>
-          <a:prstGeom prst="rect">
-            <a:avLst/>
-          </a:prstGeom>
-        </p:spPr>
-      </p:pic>
       <p:grpSp>
         <p:nvGrpSpPr>
           <p:cNvPr id="31" name="组合 30">
@@ -32366,7 +33923,7 @@
           <p:nvPr/>
         </p:nvPicPr>
         <p:blipFill>
-          <a:blip r:embed="rId5"/>
+          <a:blip r:embed="rId4"/>
           <a:stretch>
             <a:fillRect/>
           </a:stretch>
@@ -32396,7 +33953,7 @@
           <p:nvPr/>
         </p:nvPicPr>
         <p:blipFill>
-          <a:blip r:embed="rId6"/>
+          <a:blip r:embed="rId5"/>
           <a:stretch>
             <a:fillRect/>
           </a:stretch>
@@ -32426,7 +33983,7 @@
           <p:nvPr/>
         </p:nvPicPr>
         <p:blipFill>
-          <a:blip r:embed="rId7"/>
+          <a:blip r:embed="rId6"/>
           <a:stretch>
             <a:fillRect/>
           </a:stretch>
@@ -32441,6 +33998,220 @@
           </a:prstGeom>
         </p:spPr>
       </p:pic>
+      <p:pic>
+        <p:nvPicPr>
+          <p:cNvPr id="4" name="图片 3">
+            <a:extLst>
+              <a:ext uri="{FF2B5EF4-FFF2-40B4-BE49-F238E27FC236}">
+                <a16:creationId xmlns:a16="http://schemas.microsoft.com/office/drawing/2014/main" id="{ADCFCD68-A3B4-4362-A378-3DEE300AB13D}"/>
+              </a:ext>
+            </a:extLst>
+          </p:cNvPr>
+          <p:cNvPicPr>
+            <a:picLocks noChangeAspect="1"/>
+          </p:cNvPicPr>
+          <p:nvPr/>
+        </p:nvPicPr>
+        <p:blipFill>
+          <a:blip r:embed="rId7"/>
+          <a:stretch>
+            <a:fillRect/>
+          </a:stretch>
+        </p:blipFill>
+        <p:spPr>
+          <a:xfrm>
+            <a:off x="-546010" y="3951045"/>
+            <a:ext cx="1800000" cy="704762"/>
+          </a:xfrm>
+          <a:prstGeom prst="rect">
+            <a:avLst/>
+          </a:prstGeom>
+        </p:spPr>
+      </p:pic>
+      <p:sp>
+        <p:nvSpPr>
+          <p:cNvPr id="37" name="矩形 36">
+            <a:extLst>
+              <a:ext uri="{FF2B5EF4-FFF2-40B4-BE49-F238E27FC236}">
+                <a16:creationId xmlns:a16="http://schemas.microsoft.com/office/drawing/2014/main" id="{3059FD91-5114-460E-8C78-2584DE234AA9}"/>
+              </a:ext>
+            </a:extLst>
+          </p:cNvPr>
+          <p:cNvSpPr/>
+          <p:nvPr/>
+        </p:nvSpPr>
+        <p:spPr>
+          <a:xfrm>
+            <a:off x="104989" y="2864838"/>
+            <a:ext cx="1081315" cy="333828"/>
+          </a:xfrm>
+          <a:prstGeom prst="rect">
+            <a:avLst/>
+          </a:prstGeom>
+          <a:solidFill>
+            <a:srgbClr val="F2F2F2"/>
+          </a:solidFill>
+          <a:ln>
+            <a:noFill/>
+          </a:ln>
+        </p:spPr>
+        <p:style>
+          <a:lnRef idx="2">
+            <a:schemeClr val="accent1">
+              <a:shade val="50000"/>
+            </a:schemeClr>
+          </a:lnRef>
+          <a:fillRef idx="1">
+            <a:schemeClr val="accent1"/>
+          </a:fillRef>
+          <a:effectRef idx="0">
+            <a:schemeClr val="accent1"/>
+          </a:effectRef>
+          <a:fontRef idx="minor">
+            <a:schemeClr val="lt1"/>
+          </a:fontRef>
+        </p:style>
+        <p:txBody>
+          <a:bodyPr rtlCol="0" anchor="ctr"/>
+          <a:lstStyle/>
+          <a:p>
+            <a:pPr algn="ctr"/>
+            <a:endParaRPr lang="zh-CN" altLang="en-US"/>
+          </a:p>
+        </p:txBody>
+      </p:sp>
+      <p:sp>
+        <p:nvSpPr>
+          <p:cNvPr id="38" name="文本框 37">
+            <a:extLst>
+              <a:ext uri="{FF2B5EF4-FFF2-40B4-BE49-F238E27FC236}">
+                <a16:creationId xmlns:a16="http://schemas.microsoft.com/office/drawing/2014/main" id="{0B220F3E-6511-4A72-8DD8-DE5BD3C35FBA}"/>
+              </a:ext>
+            </a:extLst>
+          </p:cNvPr>
+          <p:cNvSpPr txBox="1"/>
+          <p:nvPr/>
+        </p:nvSpPr>
+        <p:spPr>
+          <a:xfrm>
+            <a:off x="225037" y="2864838"/>
+            <a:ext cx="986173" cy="276999"/>
+          </a:xfrm>
+          <a:prstGeom prst="rect">
+            <a:avLst/>
+          </a:prstGeom>
+          <a:noFill/>
+        </p:spPr>
+        <p:txBody>
+          <a:bodyPr wrap="square" rtlCol="0">
+            <a:spAutoFit/>
+          </a:bodyPr>
+          <a:lstStyle/>
+          <a:p>
+            <a:r>
+              <a:rPr lang="zh-CN" altLang="en-US" sz="1200" dirty="0">
+                <a:solidFill>
+                  <a:srgbClr val="595959"/>
+                </a:solidFill>
+                <a:latin typeface="+mn-ea"/>
+              </a:rPr>
+              <a:t>开发与实现</a:t>
+            </a:r>
+          </a:p>
+        </p:txBody>
+      </p:sp>
+      <p:sp>
+        <p:nvSpPr>
+          <p:cNvPr id="39" name="矩形 38">
+            <a:extLst>
+              <a:ext uri="{FF2B5EF4-FFF2-40B4-BE49-F238E27FC236}">
+                <a16:creationId xmlns:a16="http://schemas.microsoft.com/office/drawing/2014/main" id="{901FFBA3-B6B1-4FE7-A33F-951D9DC9016F}"/>
+              </a:ext>
+            </a:extLst>
+          </p:cNvPr>
+          <p:cNvSpPr/>
+          <p:nvPr/>
+        </p:nvSpPr>
+        <p:spPr>
+          <a:xfrm>
+            <a:off x="138104" y="3461725"/>
+            <a:ext cx="1081315" cy="333828"/>
+          </a:xfrm>
+          <a:prstGeom prst="rect">
+            <a:avLst/>
+          </a:prstGeom>
+          <a:solidFill>
+            <a:srgbClr val="F2F2F2"/>
+          </a:solidFill>
+          <a:ln>
+            <a:noFill/>
+          </a:ln>
+        </p:spPr>
+        <p:style>
+          <a:lnRef idx="2">
+            <a:schemeClr val="accent1">
+              <a:shade val="50000"/>
+            </a:schemeClr>
+          </a:lnRef>
+          <a:fillRef idx="1">
+            <a:schemeClr val="accent1"/>
+          </a:fillRef>
+          <a:effectRef idx="0">
+            <a:schemeClr val="accent1"/>
+          </a:effectRef>
+          <a:fontRef idx="minor">
+            <a:schemeClr val="lt1"/>
+          </a:fontRef>
+        </p:style>
+        <p:txBody>
+          <a:bodyPr rtlCol="0" anchor="ctr"/>
+          <a:lstStyle/>
+          <a:p>
+            <a:pPr algn="ctr"/>
+            <a:endParaRPr lang="zh-CN" altLang="en-US"/>
+          </a:p>
+        </p:txBody>
+      </p:sp>
+      <p:sp>
+        <p:nvSpPr>
+          <p:cNvPr id="40" name="文本框 39">
+            <a:extLst>
+              <a:ext uri="{FF2B5EF4-FFF2-40B4-BE49-F238E27FC236}">
+                <a16:creationId xmlns:a16="http://schemas.microsoft.com/office/drawing/2014/main" id="{B4062BA0-F791-4F01-A4BF-365093D9B59F}"/>
+              </a:ext>
+            </a:extLst>
+          </p:cNvPr>
+          <p:cNvSpPr txBox="1"/>
+          <p:nvPr/>
+        </p:nvSpPr>
+        <p:spPr>
+          <a:xfrm>
+            <a:off x="209188" y="3467335"/>
+            <a:ext cx="986173" cy="276999"/>
+          </a:xfrm>
+          <a:prstGeom prst="rect">
+            <a:avLst/>
+          </a:prstGeom>
+          <a:noFill/>
+        </p:spPr>
+        <p:txBody>
+          <a:bodyPr wrap="square" rtlCol="0">
+            <a:spAutoFit/>
+          </a:bodyPr>
+          <a:lstStyle/>
+          <a:p>
+            <a:r>
+              <a:rPr lang="zh-CN" altLang="en-US" sz="1200" dirty="0">
+                <a:solidFill>
+                  <a:srgbClr val="595959"/>
+                </a:solidFill>
+                <a:latin typeface="+mn-ea"/>
+              </a:rPr>
+              <a:t>建议与总结</a:t>
+            </a:r>
+          </a:p>
+        </p:txBody>
+      </p:sp>
     </p:spTree>
     <p:extLst>
       <p:ext uri="{BB962C8B-B14F-4D97-AF65-F5344CB8AC3E}">
@@ -36291,6 +38062,220 @@
           </p:txBody>
         </p:sp>
       </p:grpSp>
+      <p:pic>
+        <p:nvPicPr>
+          <p:cNvPr id="5" name="图片 4">
+            <a:extLst>
+              <a:ext uri="{FF2B5EF4-FFF2-40B4-BE49-F238E27FC236}">
+                <a16:creationId xmlns:a16="http://schemas.microsoft.com/office/drawing/2014/main" id="{5D3BB7C2-A50C-4326-833B-55D2FF5C5250}"/>
+              </a:ext>
+            </a:extLst>
+          </p:cNvPr>
+          <p:cNvPicPr>
+            <a:picLocks noChangeAspect="1"/>
+          </p:cNvPicPr>
+          <p:nvPr/>
+        </p:nvPicPr>
+        <p:blipFill>
+          <a:blip r:embed="rId4"/>
+          <a:stretch>
+            <a:fillRect/>
+          </a:stretch>
+        </p:blipFill>
+        <p:spPr>
+          <a:xfrm>
+            <a:off x="-531784" y="3955695"/>
+            <a:ext cx="1800000" cy="704762"/>
+          </a:xfrm>
+          <a:prstGeom prst="rect">
+            <a:avLst/>
+          </a:prstGeom>
+        </p:spPr>
+      </p:pic>
+      <p:sp>
+        <p:nvSpPr>
+          <p:cNvPr id="72" name="矩形 71">
+            <a:extLst>
+              <a:ext uri="{FF2B5EF4-FFF2-40B4-BE49-F238E27FC236}">
+                <a16:creationId xmlns:a16="http://schemas.microsoft.com/office/drawing/2014/main" id="{CD2C154D-8514-495D-8CBA-D79278D53BD2}"/>
+              </a:ext>
+            </a:extLst>
+          </p:cNvPr>
+          <p:cNvSpPr/>
+          <p:nvPr/>
+        </p:nvSpPr>
+        <p:spPr>
+          <a:xfrm>
+            <a:off x="117469" y="2847320"/>
+            <a:ext cx="1081315" cy="333828"/>
+          </a:xfrm>
+          <a:prstGeom prst="rect">
+            <a:avLst/>
+          </a:prstGeom>
+          <a:solidFill>
+            <a:srgbClr val="F2F2F2"/>
+          </a:solidFill>
+          <a:ln>
+            <a:noFill/>
+          </a:ln>
+        </p:spPr>
+        <p:style>
+          <a:lnRef idx="2">
+            <a:schemeClr val="accent1">
+              <a:shade val="50000"/>
+            </a:schemeClr>
+          </a:lnRef>
+          <a:fillRef idx="1">
+            <a:schemeClr val="accent1"/>
+          </a:fillRef>
+          <a:effectRef idx="0">
+            <a:schemeClr val="accent1"/>
+          </a:effectRef>
+          <a:fontRef idx="minor">
+            <a:schemeClr val="lt1"/>
+          </a:fontRef>
+        </p:style>
+        <p:txBody>
+          <a:bodyPr rtlCol="0" anchor="ctr"/>
+          <a:lstStyle/>
+          <a:p>
+            <a:pPr algn="ctr"/>
+            <a:endParaRPr lang="zh-CN" altLang="en-US"/>
+          </a:p>
+        </p:txBody>
+      </p:sp>
+      <p:sp>
+        <p:nvSpPr>
+          <p:cNvPr id="73" name="文本框 72">
+            <a:extLst>
+              <a:ext uri="{FF2B5EF4-FFF2-40B4-BE49-F238E27FC236}">
+                <a16:creationId xmlns:a16="http://schemas.microsoft.com/office/drawing/2014/main" id="{9B206508-FD32-4163-8BE8-7C1531AB1590}"/>
+              </a:ext>
+            </a:extLst>
+          </p:cNvPr>
+          <p:cNvSpPr txBox="1"/>
+          <p:nvPr/>
+        </p:nvSpPr>
+        <p:spPr>
+          <a:xfrm>
+            <a:off x="179831" y="2859618"/>
+            <a:ext cx="1006425" cy="276999"/>
+          </a:xfrm>
+          <a:prstGeom prst="rect">
+            <a:avLst/>
+          </a:prstGeom>
+          <a:noFill/>
+        </p:spPr>
+        <p:txBody>
+          <a:bodyPr wrap="square" rtlCol="0">
+            <a:spAutoFit/>
+          </a:bodyPr>
+          <a:lstStyle/>
+          <a:p>
+            <a:r>
+              <a:rPr lang="zh-CN" altLang="en-US" sz="1200" dirty="0">
+                <a:solidFill>
+                  <a:srgbClr val="595959"/>
+                </a:solidFill>
+                <a:latin typeface="+mn-ea"/>
+              </a:rPr>
+              <a:t>开发与实现</a:t>
+            </a:r>
+          </a:p>
+        </p:txBody>
+      </p:sp>
+      <p:sp>
+        <p:nvSpPr>
+          <p:cNvPr id="74" name="矩形 73">
+            <a:extLst>
+              <a:ext uri="{FF2B5EF4-FFF2-40B4-BE49-F238E27FC236}">
+                <a16:creationId xmlns:a16="http://schemas.microsoft.com/office/drawing/2014/main" id="{B728BE02-97AD-4B13-923B-EE4D5D7B3A45}"/>
+              </a:ext>
+            </a:extLst>
+          </p:cNvPr>
+          <p:cNvSpPr/>
+          <p:nvPr/>
+        </p:nvSpPr>
+        <p:spPr>
+          <a:xfrm>
+            <a:off x="117655" y="3496090"/>
+            <a:ext cx="1081315" cy="333828"/>
+          </a:xfrm>
+          <a:prstGeom prst="rect">
+            <a:avLst/>
+          </a:prstGeom>
+          <a:solidFill>
+            <a:srgbClr val="F2F2F2"/>
+          </a:solidFill>
+          <a:ln>
+            <a:noFill/>
+          </a:ln>
+        </p:spPr>
+        <p:style>
+          <a:lnRef idx="2">
+            <a:schemeClr val="accent1">
+              <a:shade val="50000"/>
+            </a:schemeClr>
+          </a:lnRef>
+          <a:fillRef idx="1">
+            <a:schemeClr val="accent1"/>
+          </a:fillRef>
+          <a:effectRef idx="0">
+            <a:schemeClr val="accent1"/>
+          </a:effectRef>
+          <a:fontRef idx="minor">
+            <a:schemeClr val="lt1"/>
+          </a:fontRef>
+        </p:style>
+        <p:txBody>
+          <a:bodyPr rtlCol="0" anchor="ctr"/>
+          <a:lstStyle/>
+          <a:p>
+            <a:pPr algn="ctr"/>
+            <a:endParaRPr lang="zh-CN" altLang="en-US"/>
+          </a:p>
+        </p:txBody>
+      </p:sp>
+      <p:sp>
+        <p:nvSpPr>
+          <p:cNvPr id="75" name="文本框 74">
+            <a:extLst>
+              <a:ext uri="{FF2B5EF4-FFF2-40B4-BE49-F238E27FC236}">
+                <a16:creationId xmlns:a16="http://schemas.microsoft.com/office/drawing/2014/main" id="{C9194E49-D094-4DCF-90B4-B74037EAA3AB}"/>
+              </a:ext>
+            </a:extLst>
+          </p:cNvPr>
+          <p:cNvSpPr txBox="1"/>
+          <p:nvPr/>
+        </p:nvSpPr>
+        <p:spPr>
+          <a:xfrm>
+            <a:off x="208621" y="3496090"/>
+            <a:ext cx="991125" cy="276999"/>
+          </a:xfrm>
+          <a:prstGeom prst="rect">
+            <a:avLst/>
+          </a:prstGeom>
+          <a:noFill/>
+        </p:spPr>
+        <p:txBody>
+          <a:bodyPr wrap="square" rtlCol="0">
+            <a:spAutoFit/>
+          </a:bodyPr>
+          <a:lstStyle/>
+          <a:p>
+            <a:r>
+              <a:rPr lang="zh-CN" altLang="en-US" sz="1200" dirty="0">
+                <a:solidFill>
+                  <a:srgbClr val="595959"/>
+                </a:solidFill>
+                <a:latin typeface="+mn-ea"/>
+              </a:rPr>
+              <a:t>建议与总结</a:t>
+            </a:r>
+          </a:p>
+        </p:txBody>
+      </p:sp>
     </p:spTree>
     <p:extLst>
       <p:ext uri="{BB962C8B-B14F-4D97-AF65-F5344CB8AC3E}">
